--- a/CapstonePresentation.pptx
+++ b/CapstonePresentation.pptx
@@ -267,7 +267,7 @@
           <a:p>
             <a:fld id="{455AB441-FC57-B744-B83F-13C6894EBF09}" type="datetimeFigureOut">
               <a:rPr lang="en-US" smtClean="0"/>
-              <a:t>12/9/18</a:t>
+              <a:t>12/10/18</a:t>
             </a:fld>
             <a:endParaRPr lang="en-US"/>
           </a:p>
@@ -465,7 +465,7 @@
           <a:p>
             <a:fld id="{455AB441-FC57-B744-B83F-13C6894EBF09}" type="datetimeFigureOut">
               <a:rPr lang="en-US" smtClean="0"/>
-              <a:t>12/9/18</a:t>
+              <a:t>12/10/18</a:t>
             </a:fld>
             <a:endParaRPr lang="en-US"/>
           </a:p>
@@ -673,7 +673,7 @@
           <a:p>
             <a:fld id="{455AB441-FC57-B744-B83F-13C6894EBF09}" type="datetimeFigureOut">
               <a:rPr lang="en-US" smtClean="0"/>
-              <a:t>12/9/18</a:t>
+              <a:t>12/10/18</a:t>
             </a:fld>
             <a:endParaRPr lang="en-US"/>
           </a:p>
@@ -871,7 +871,7 @@
           <a:p>
             <a:fld id="{455AB441-FC57-B744-B83F-13C6894EBF09}" type="datetimeFigureOut">
               <a:rPr lang="en-US" smtClean="0"/>
-              <a:t>12/9/18</a:t>
+              <a:t>12/10/18</a:t>
             </a:fld>
             <a:endParaRPr lang="en-US"/>
           </a:p>
@@ -1146,7 +1146,7 @@
           <a:p>
             <a:fld id="{455AB441-FC57-B744-B83F-13C6894EBF09}" type="datetimeFigureOut">
               <a:rPr lang="en-US" smtClean="0"/>
-              <a:t>12/9/18</a:t>
+              <a:t>12/10/18</a:t>
             </a:fld>
             <a:endParaRPr lang="en-US"/>
           </a:p>
@@ -1411,7 +1411,7 @@
           <a:p>
             <a:fld id="{455AB441-FC57-B744-B83F-13C6894EBF09}" type="datetimeFigureOut">
               <a:rPr lang="en-US" smtClean="0"/>
-              <a:t>12/9/18</a:t>
+              <a:t>12/10/18</a:t>
             </a:fld>
             <a:endParaRPr lang="en-US"/>
           </a:p>
@@ -1823,7 +1823,7 @@
           <a:p>
             <a:fld id="{455AB441-FC57-B744-B83F-13C6894EBF09}" type="datetimeFigureOut">
               <a:rPr lang="en-US" smtClean="0"/>
-              <a:t>12/9/18</a:t>
+              <a:t>12/10/18</a:t>
             </a:fld>
             <a:endParaRPr lang="en-US"/>
           </a:p>
@@ -1964,7 +1964,7 @@
           <a:p>
             <a:fld id="{455AB441-FC57-B744-B83F-13C6894EBF09}" type="datetimeFigureOut">
               <a:rPr lang="en-US" smtClean="0"/>
-              <a:t>12/9/18</a:t>
+              <a:t>12/10/18</a:t>
             </a:fld>
             <a:endParaRPr lang="en-US"/>
           </a:p>
@@ -2077,7 +2077,7 @@
           <a:p>
             <a:fld id="{455AB441-FC57-B744-B83F-13C6894EBF09}" type="datetimeFigureOut">
               <a:rPr lang="en-US" smtClean="0"/>
-              <a:t>12/9/18</a:t>
+              <a:t>12/10/18</a:t>
             </a:fld>
             <a:endParaRPr lang="en-US"/>
           </a:p>
@@ -2388,7 +2388,7 @@
           <a:p>
             <a:fld id="{455AB441-FC57-B744-B83F-13C6894EBF09}" type="datetimeFigureOut">
               <a:rPr lang="en-US" smtClean="0"/>
-              <a:t>12/9/18</a:t>
+              <a:t>12/10/18</a:t>
             </a:fld>
             <a:endParaRPr lang="en-US"/>
           </a:p>
@@ -2676,7 +2676,7 @@
           <a:p>
             <a:fld id="{455AB441-FC57-B744-B83F-13C6894EBF09}" type="datetimeFigureOut">
               <a:rPr lang="en-US" smtClean="0"/>
-              <a:t>12/9/18</a:t>
+              <a:t>12/10/18</a:t>
             </a:fld>
             <a:endParaRPr lang="en-US"/>
           </a:p>
@@ -2917,7 +2917,7 @@
           <a:p>
             <a:fld id="{455AB441-FC57-B744-B83F-13C6894EBF09}" type="datetimeFigureOut">
               <a:rPr lang="en-US" smtClean="0"/>
-              <a:t>12/9/18</a:t>
+              <a:t>12/10/18</a:t>
             </a:fld>
             <a:endParaRPr lang="en-US"/>
           </a:p>
@@ -4582,8 +4582,8 @@
         </p:nvSpPr>
         <p:spPr>
           <a:xfrm>
-            <a:off x="497541" y="377824"/>
-            <a:ext cx="4852606" cy="1325563"/>
+            <a:off x="425823" y="0"/>
+            <a:ext cx="3626224" cy="683466"/>
           </a:xfrm>
         </p:spPr>
         <p:txBody>
@@ -4596,31 +4596,6 @@
               <a:rPr lang="en-US" sz="2800" b="1" dirty="0"/>
               <a:t>Unanalyzed data</a:t>
             </a:r>
-          </a:p>
-        </p:txBody>
-      </p:sp>
-      <p:sp>
-        <p:nvSpPr>
-          <p:cNvPr id="3" name="Content Placeholder 2">
-            <a:extLst>
-              <a:ext uri="{FF2B5EF4-FFF2-40B4-BE49-F238E27FC236}">
-                <a16:creationId xmlns:a16="http://schemas.microsoft.com/office/drawing/2014/main" id="{E2D7FC62-F467-4449-B00E-CE4CFA50B07D}"/>
-              </a:ext>
-            </a:extLst>
-          </p:cNvPr>
-          <p:cNvSpPr>
-            <a:spLocks noGrp="1"/>
-          </p:cNvSpPr>
-          <p:nvPr>
-            <p:ph idx="1"/>
-          </p:nvPr>
-        </p:nvSpPr>
-        <p:spPr/>
-        <p:txBody>
-          <a:bodyPr/>
-          <a:lstStyle/>
-          <a:p>
-            <a:endParaRPr lang="en-US" dirty="0"/>
           </a:p>
         </p:txBody>
       </p:sp>
@@ -4646,8 +4621,8 @@
         </p:blipFill>
         <p:spPr>
           <a:xfrm>
-            <a:off x="598106" y="1825625"/>
-            <a:ext cx="5092700" cy="4229100"/>
+            <a:off x="635176" y="640092"/>
+            <a:ext cx="5092700" cy="4127561"/>
           </a:xfrm>
           <a:prstGeom prst="rect">
             <a:avLst/>
@@ -4676,7 +4651,7 @@
         </p:blipFill>
         <p:spPr>
           <a:xfrm>
-            <a:off x="6095999" y="1876394"/>
+            <a:off x="6081982" y="640092"/>
             <a:ext cx="4536599" cy="4127561"/>
           </a:xfrm>
           <a:prstGeom prst="rect">
@@ -4700,8 +4675,8 @@
         </p:nvSpPr>
         <p:spPr>
           <a:xfrm>
-            <a:off x="5937996" y="438943"/>
-            <a:ext cx="4852606" cy="1325563"/>
+            <a:off x="5923979" y="-43374"/>
+            <a:ext cx="4694602" cy="683466"/>
           </a:xfrm>
           <a:prstGeom prst="rect">
             <a:avLst/>
@@ -4752,7 +4727,7 @@
         </p:nvSpPr>
         <p:spPr>
           <a:xfrm>
-            <a:off x="6633884" y="4894732"/>
+            <a:off x="6619867" y="3658430"/>
             <a:ext cx="412376" cy="376519"/>
           </a:xfrm>
           <a:prstGeom prst="ellipse">
@@ -4804,7 +4779,7 @@
         </p:nvSpPr>
         <p:spPr>
           <a:xfrm>
-            <a:off x="7316510" y="5056095"/>
+            <a:off x="7302493" y="3819793"/>
             <a:ext cx="510988" cy="493060"/>
           </a:xfrm>
           <a:prstGeom prst="ellipse">
@@ -4856,7 +4831,7 @@
         </p:nvSpPr>
         <p:spPr>
           <a:xfrm>
-            <a:off x="6729322" y="4047702"/>
+            <a:off x="6715305" y="2811400"/>
             <a:ext cx="281078" cy="246222"/>
           </a:xfrm>
           <a:prstGeom prst="ellipse">
@@ -4908,7 +4883,7 @@
         </p:nvSpPr>
         <p:spPr>
           <a:xfrm>
-            <a:off x="6804212" y="4774015"/>
+            <a:off x="6790195" y="3537713"/>
             <a:ext cx="1467068" cy="246221"/>
           </a:xfrm>
           <a:prstGeom prst="rect">
@@ -4947,7 +4922,7 @@
         </p:nvSpPr>
         <p:spPr>
           <a:xfrm>
-            <a:off x="7572004" y="5161585"/>
+            <a:off x="7557987" y="3925283"/>
             <a:ext cx="2307042" cy="246221"/>
           </a:xfrm>
           <a:prstGeom prst="rect">
@@ -4986,7 +4961,7 @@
         </p:nvSpPr>
         <p:spPr>
           <a:xfrm>
-            <a:off x="6729322" y="3950727"/>
+            <a:off x="6715305" y="2714425"/>
             <a:ext cx="2427268" cy="246221"/>
           </a:xfrm>
           <a:prstGeom prst="rect">
@@ -5011,6 +4986,96 @@
           </a:p>
         </p:txBody>
       </p:sp>
+      <p:pic>
+        <p:nvPicPr>
+          <p:cNvPr id="8" name="Picture 7">
+            <a:extLst>
+              <a:ext uri="{FF2B5EF4-FFF2-40B4-BE49-F238E27FC236}">
+                <a16:creationId xmlns:a16="http://schemas.microsoft.com/office/drawing/2014/main" id="{CD0B032A-0890-874C-B135-80B42B5335DB}"/>
+              </a:ext>
+            </a:extLst>
+          </p:cNvPr>
+          <p:cNvPicPr>
+            <a:picLocks noChangeAspect="1"/>
+          </p:cNvPicPr>
+          <p:nvPr/>
+        </p:nvPicPr>
+        <p:blipFill>
+          <a:blip r:embed="rId4"/>
+          <a:stretch>
+            <a:fillRect/>
+          </a:stretch>
+        </p:blipFill>
+        <p:spPr>
+          <a:xfrm>
+            <a:off x="11382" y="5407745"/>
+            <a:ext cx="12141200" cy="495300"/>
+          </a:xfrm>
+          <a:prstGeom prst="rect">
+            <a:avLst/>
+          </a:prstGeom>
+        </p:spPr>
+      </p:pic>
+      <p:pic>
+        <p:nvPicPr>
+          <p:cNvPr id="14" name="Picture 13">
+            <a:extLst>
+              <a:ext uri="{FF2B5EF4-FFF2-40B4-BE49-F238E27FC236}">
+                <a16:creationId xmlns:a16="http://schemas.microsoft.com/office/drawing/2014/main" id="{0FB133B1-0A26-8746-B339-BDC89A9C4170}"/>
+              </a:ext>
+            </a:extLst>
+          </p:cNvPr>
+          <p:cNvPicPr>
+            <a:picLocks noChangeAspect="1"/>
+          </p:cNvPicPr>
+          <p:nvPr/>
+        </p:nvPicPr>
+        <p:blipFill>
+          <a:blip r:embed="rId5"/>
+          <a:stretch>
+            <a:fillRect/>
+          </a:stretch>
+        </p:blipFill>
+        <p:spPr>
+          <a:xfrm>
+            <a:off x="265382" y="4979095"/>
+            <a:ext cx="11887200" cy="520700"/>
+          </a:xfrm>
+          <a:prstGeom prst="rect">
+            <a:avLst/>
+          </a:prstGeom>
+        </p:spPr>
+      </p:pic>
+      <p:pic>
+        <p:nvPicPr>
+          <p:cNvPr id="15" name="Picture 14">
+            <a:extLst>
+              <a:ext uri="{FF2B5EF4-FFF2-40B4-BE49-F238E27FC236}">
+                <a16:creationId xmlns:a16="http://schemas.microsoft.com/office/drawing/2014/main" id="{24F1EDD6-D8ED-DE4F-B801-AA673EA5B8F5}"/>
+              </a:ext>
+            </a:extLst>
+          </p:cNvPr>
+          <p:cNvPicPr>
+            <a:picLocks noChangeAspect="1"/>
+          </p:cNvPicPr>
+          <p:nvPr/>
+        </p:nvPicPr>
+        <p:blipFill>
+          <a:blip r:embed="rId6"/>
+          <a:stretch>
+            <a:fillRect/>
+          </a:stretch>
+        </p:blipFill>
+        <p:spPr>
+          <a:xfrm>
+            <a:off x="144732" y="5805009"/>
+            <a:ext cx="11874500" cy="406400"/>
+          </a:xfrm>
+          <a:prstGeom prst="rect">
+            <a:avLst/>
+          </a:prstGeom>
+        </p:spPr>
+      </p:pic>
     </p:spTree>
     <p:extLst>
       <p:ext uri="{BB962C8B-B14F-4D97-AF65-F5344CB8AC3E}">

--- a/CapstonePresentation.pptx
+++ b/CapstonePresentation.pptx
@@ -13,7 +13,8 @@
     <p:sldId id="262" r:id="rId7"/>
     <p:sldId id="264" r:id="rId8"/>
     <p:sldId id="263" r:id="rId9"/>
-    <p:sldId id="258" r:id="rId10"/>
+    <p:sldId id="265" r:id="rId10"/>
+    <p:sldId id="258" r:id="rId11"/>
   </p:sldIdLst>
   <p:sldSz cx="12192000" cy="6858000"/>
   <p:notesSz cx="6858000" cy="9144000"/>
@@ -3999,6 +4000,115 @@
 </p:sld>
 </file>
 
+<file path=ppt/slides/slide10.xml><?xml version="1.0" encoding="utf-8"?>
+<p:sld xmlns:a="http://schemas.openxmlformats.org/drawingml/2006/main" xmlns:r="http://schemas.openxmlformats.org/officeDocument/2006/relationships" xmlns:p="http://schemas.openxmlformats.org/presentationml/2006/main">
+  <p:cSld>
+    <p:spTree>
+      <p:nvGrpSpPr>
+        <p:cNvPr id="1" name=""/>
+        <p:cNvGrpSpPr/>
+        <p:nvPr/>
+      </p:nvGrpSpPr>
+      <p:grpSpPr>
+        <a:xfrm>
+          <a:off x="0" y="0"/>
+          <a:ext cx="0" cy="0"/>
+          <a:chOff x="0" y="0"/>
+          <a:chExt cx="0" cy="0"/>
+        </a:xfrm>
+      </p:grpSpPr>
+      <p:sp>
+        <p:nvSpPr>
+          <p:cNvPr id="2" name="Title 1">
+            <a:extLst>
+              <a:ext uri="{FF2B5EF4-FFF2-40B4-BE49-F238E27FC236}">
+                <a16:creationId xmlns:a16="http://schemas.microsoft.com/office/drawing/2014/main" id="{B035BFEF-51DD-5E4E-8FE4-1A801D1534F8}"/>
+              </a:ext>
+            </a:extLst>
+          </p:cNvPr>
+          <p:cNvSpPr>
+            <a:spLocks noGrp="1"/>
+          </p:cNvSpPr>
+          <p:nvPr>
+            <p:ph type="title"/>
+          </p:nvPr>
+        </p:nvSpPr>
+        <p:spPr/>
+        <p:txBody>
+          <a:bodyPr/>
+          <a:lstStyle/>
+          <a:p>
+            <a:r>
+              <a:rPr lang="en-US" dirty="0"/>
+              <a:t>Assumptions / Limitations</a:t>
+            </a:r>
+          </a:p>
+        </p:txBody>
+      </p:sp>
+      <p:sp>
+        <p:nvSpPr>
+          <p:cNvPr id="3" name="Content Placeholder 2">
+            <a:extLst>
+              <a:ext uri="{FF2B5EF4-FFF2-40B4-BE49-F238E27FC236}">
+                <a16:creationId xmlns:a16="http://schemas.microsoft.com/office/drawing/2014/main" id="{D5B352E8-5FF5-2646-9DD6-A6A48B8157C8}"/>
+              </a:ext>
+            </a:extLst>
+          </p:cNvPr>
+          <p:cNvSpPr>
+            <a:spLocks noGrp="1"/>
+          </p:cNvSpPr>
+          <p:nvPr>
+            <p:ph idx="1"/>
+          </p:nvPr>
+        </p:nvSpPr>
+        <p:spPr/>
+        <p:txBody>
+          <a:bodyPr/>
+          <a:lstStyle/>
+          <a:p>
+            <a:pPr marL="0" indent="0">
+              <a:buNone/>
+            </a:pPr>
+            <a:endParaRPr lang="en-US" dirty="0"/>
+          </a:p>
+          <a:p>
+            <a:r>
+              <a:rPr lang="en-US" dirty="0"/>
+              <a:t>Four square data has limitation on the number of free API calls</a:t>
+            </a:r>
+          </a:p>
+          <a:p>
+            <a:pPr lvl="1"/>
+            <a:r>
+              <a:rPr lang="en-US" dirty="0"/>
+              <a:t>Analyzed Brooklyn and other data from Four square over multiple days because of the above limitation.  </a:t>
+            </a:r>
+          </a:p>
+          <a:p>
+            <a:pPr lvl="1"/>
+            <a:r>
+              <a:rPr lang="en-US" dirty="0"/>
+              <a:t>Use of paid account should be explored to get all the data in the same run.</a:t>
+            </a:r>
+          </a:p>
+          <a:p>
+            <a:endParaRPr lang="en-US" dirty="0"/>
+          </a:p>
+        </p:txBody>
+      </p:sp>
+    </p:spTree>
+    <p:extLst>
+      <p:ext uri="{BB962C8B-B14F-4D97-AF65-F5344CB8AC3E}">
+        <p14:creationId xmlns:p14="http://schemas.microsoft.com/office/powerpoint/2010/main" val="1833187951"/>
+      </p:ext>
+    </p:extLst>
+  </p:cSld>
+  <p:clrMapOvr>
+    <a:masterClrMapping/>
+  </p:clrMapOvr>
+</p:sld>
+</file>
+
 <file path=ppt/slides/slide2.xml><?xml version="1.0" encoding="utf-8"?>
 <p:sld xmlns:a="http://schemas.openxmlformats.org/drawingml/2006/main" xmlns:r="http://schemas.openxmlformats.org/officeDocument/2006/relationships" xmlns:p="http://schemas.openxmlformats.org/presentationml/2006/main">
   <p:cSld>
@@ -4076,7 +4186,7 @@
           <a:p>
             <a:r>
               <a:rPr lang="en-US" dirty="0"/>
-              <a:t>Target Audience for this problem is the Distributor of sea food </a:t>
+              <a:t>Target Audience for this solution are Distributors of sea food </a:t>
             </a:r>
           </a:p>
           <a:p>
@@ -4192,7 +4302,7 @@
           <a:p>
             <a:r>
               <a:rPr lang="en-US" dirty="0"/>
-              <a:t>Used data from the internet with is readily available</a:t>
+              <a:t>Used data from the internet which is readily available</a:t>
             </a:r>
           </a:p>
           <a:p>
@@ -4780,7 +4890,7 @@
         <p:spPr>
           <a:xfrm>
             <a:off x="7302493" y="3819793"/>
-            <a:ext cx="510988" cy="493060"/>
+            <a:ext cx="1088472" cy="756052"/>
           </a:xfrm>
           <a:prstGeom prst="ellipse">
             <a:avLst/>
@@ -5215,7 +5325,7 @@
           <p:cNvPr id="2" name="Title 1">
             <a:extLst>
               <a:ext uri="{FF2B5EF4-FFF2-40B4-BE49-F238E27FC236}">
-                <a16:creationId xmlns:a16="http://schemas.microsoft.com/office/drawing/2014/main" id="{B035BFEF-51DD-5E4E-8FE4-1A801D1534F8}"/>
+                <a16:creationId xmlns:a16="http://schemas.microsoft.com/office/drawing/2014/main" id="{097D8F84-B4B3-074D-88A6-572968F7333D}"/>
               </a:ext>
             </a:extLst>
           </p:cNvPr>
@@ -5233,66 +5343,84 @@
           <a:p>
             <a:r>
               <a:rPr lang="en-US" dirty="0"/>
-              <a:t>Assumptions / Limitations</a:t>
-            </a:r>
-          </a:p>
-        </p:txBody>
-      </p:sp>
-      <p:sp>
-        <p:nvSpPr>
-          <p:cNvPr id="3" name="Content Placeholder 2">
-            <a:extLst>
-              <a:ext uri="{FF2B5EF4-FFF2-40B4-BE49-F238E27FC236}">
-                <a16:creationId xmlns:a16="http://schemas.microsoft.com/office/drawing/2014/main" id="{D5B352E8-5FF5-2646-9DD6-A6A48B8157C8}"/>
-              </a:ext>
-            </a:extLst>
-          </p:cNvPr>
-          <p:cNvSpPr>
-            <a:spLocks noGrp="1"/>
-          </p:cNvSpPr>
-          <p:nvPr>
-            <p:ph idx="1"/>
-          </p:nvPr>
-        </p:nvSpPr>
-        <p:spPr/>
-        <p:txBody>
-          <a:bodyPr/>
-          <a:lstStyle/>
-          <a:p>
-            <a:pPr marL="0" indent="0">
-              <a:buNone/>
-            </a:pPr>
-            <a:endParaRPr lang="en-US" dirty="0"/>
-          </a:p>
-          <a:p>
-            <a:r>
-              <a:rPr lang="en-US" dirty="0"/>
-              <a:t>Four square data has limitation on the number of free API calls</a:t>
-            </a:r>
-          </a:p>
-          <a:p>
-            <a:pPr lvl="1"/>
-            <a:r>
-              <a:rPr lang="en-US" dirty="0"/>
-              <a:t>Analyzed Brooklyn and other data from Four square over multiple days because of the above limitation.  </a:t>
-            </a:r>
-          </a:p>
-          <a:p>
-            <a:pPr lvl="1"/>
-            <a:r>
-              <a:rPr lang="en-US" dirty="0"/>
-              <a:t>Use of paid account should be explored to get all the data in the same run.</a:t>
-            </a:r>
-          </a:p>
-          <a:p>
-            <a:endParaRPr lang="en-US" dirty="0"/>
+              <a:t>Future Expansion plans</a:t>
+            </a:r>
+          </a:p>
+        </p:txBody>
+      </p:sp>
+      <p:pic>
+        <p:nvPicPr>
+          <p:cNvPr id="6" name="Picture 5">
+            <a:extLst>
+              <a:ext uri="{FF2B5EF4-FFF2-40B4-BE49-F238E27FC236}">
+                <a16:creationId xmlns:a16="http://schemas.microsoft.com/office/drawing/2014/main" id="{F2D4BD6C-04C8-904F-AA2F-D56CB7DA2530}"/>
+              </a:ext>
+            </a:extLst>
+          </p:cNvPr>
+          <p:cNvPicPr>
+            <a:picLocks noChangeAspect="1"/>
+          </p:cNvPicPr>
+          <p:nvPr/>
+        </p:nvPicPr>
+        <p:blipFill>
+          <a:blip r:embed="rId2"/>
+          <a:stretch>
+            <a:fillRect/>
+          </a:stretch>
+        </p:blipFill>
+        <p:spPr>
+          <a:xfrm>
+            <a:off x="1394758" y="1908874"/>
+            <a:ext cx="3987800" cy="4203700"/>
+          </a:xfrm>
+          <a:prstGeom prst="rect">
+            <a:avLst/>
+          </a:prstGeom>
+        </p:spPr>
+      </p:pic>
+      <p:sp>
+        <p:nvSpPr>
+          <p:cNvPr id="10" name="TextBox 9">
+            <a:extLst>
+              <a:ext uri="{FF2B5EF4-FFF2-40B4-BE49-F238E27FC236}">
+                <a16:creationId xmlns:a16="http://schemas.microsoft.com/office/drawing/2014/main" id="{49EBE0ED-67C4-6A46-AFAE-947F445DEB73}"/>
+              </a:ext>
+            </a:extLst>
+          </p:cNvPr>
+          <p:cNvSpPr txBox="1"/>
+          <p:nvPr/>
+        </p:nvSpPr>
+        <p:spPr>
+          <a:xfrm>
+            <a:off x="2690152" y="2811571"/>
+            <a:ext cx="2307042" cy="246221"/>
+          </a:xfrm>
+          <a:prstGeom prst="rect">
+            <a:avLst/>
+          </a:prstGeom>
+          <a:noFill/>
+        </p:spPr>
+        <p:txBody>
+          <a:bodyPr wrap="none" rtlCol="0">
+            <a:spAutoFit/>
+          </a:bodyPr>
+          <a:lstStyle/>
+          <a:p>
+            <a:r>
+              <a:rPr lang="en-US" sz="1000" b="1" dirty="0">
+                <a:solidFill>
+                  <a:srgbClr val="002060"/>
+                </a:solidFill>
+              </a:rPr>
+              <a:t>Future Expansion area across the bridge</a:t>
+            </a:r>
           </a:p>
         </p:txBody>
       </p:sp>
     </p:spTree>
     <p:extLst>
       <p:ext uri="{BB962C8B-B14F-4D97-AF65-F5344CB8AC3E}">
-        <p14:creationId xmlns:p14="http://schemas.microsoft.com/office/powerpoint/2010/main" val="1833187951"/>
+        <p14:creationId xmlns:p14="http://schemas.microsoft.com/office/powerpoint/2010/main" val="913024688"/>
       </p:ext>
     </p:extLst>
   </p:cSld>
